--- a/manuals/slides/slides-220912-results/VespAI-results.pptx
+++ b/manuals/slides/slides-220912-results/VespAI-results.pptx
@@ -122,6 +122,11 @@
       </a:defRPr>
     </a:lvl9pPr>
   </p:defaultTextStyle>
+  <p:extLst>
+    <p:ext uri="{EFAFB233-063F-42B5-8137-9DF3F51BA10A}">
+      <p15:sldGuideLst xmlns:p15="http://schemas.microsoft.com/office/powerpoint/2012/main"/>
+    </p:ext>
+  </p:extLst>
 </p:presentation>
 </file>
 
@@ -5372,7 +5377,7 @@
             <a:fld id="{48A87A34-81AB-432B-8DAE-1953F412C126}" type="datetimeFigureOut">
               <a:rPr lang="en-US" dirty="0"/>
               <a:pPr/>
-              <a:t>9/12/22</a:t>
+              <a:t>9/13/22</a:t>
             </a:fld>
             <a:endParaRPr lang="en-US" dirty="0"/>
           </a:p>
@@ -6826,7 +6831,7 @@
           <a:p>
             <a:fld id="{48A87A34-81AB-432B-8DAE-1953F412C126}" type="datetimeFigureOut">
               <a:rPr lang="en-US" dirty="0"/>
-              <a:t>9/12/22</a:t>
+              <a:t>9/13/22</a:t>
             </a:fld>
             <a:endParaRPr lang="en-US" dirty="0"/>
           </a:p>
@@ -8274,7 +8279,7 @@
           <a:p>
             <a:fld id="{48A87A34-81AB-432B-8DAE-1953F412C126}" type="datetimeFigureOut">
               <a:rPr lang="en-US" dirty="0"/>
-              <a:t>9/12/22</a:t>
+              <a:t>9/13/22</a:t>
             </a:fld>
             <a:endParaRPr lang="en-US" dirty="0"/>
           </a:p>
@@ -9724,7 +9729,7 @@
           <a:p>
             <a:fld id="{48A87A34-81AB-432B-8DAE-1953F412C126}" type="datetimeFigureOut">
               <a:rPr lang="en-US" dirty="0"/>
-              <a:t>9/12/22</a:t>
+              <a:t>9/13/22</a:t>
             </a:fld>
             <a:endParaRPr lang="en-US" dirty="0"/>
           </a:p>
@@ -11227,7 +11232,7 @@
           <a:p>
             <a:fld id="{48A87A34-81AB-432B-8DAE-1953F412C126}" type="datetimeFigureOut">
               <a:rPr lang="en-US" dirty="0"/>
-              <a:t>9/12/22</a:t>
+              <a:t>9/13/22</a:t>
             </a:fld>
             <a:endParaRPr lang="en-US" dirty="0"/>
           </a:p>
@@ -12743,7 +12748,7 @@
           <a:p>
             <a:fld id="{48A87A34-81AB-432B-8DAE-1953F412C126}" type="datetimeFigureOut">
               <a:rPr lang="en-US" dirty="0"/>
-              <a:t>9/12/22</a:t>
+              <a:t>9/13/22</a:t>
             </a:fld>
             <a:endParaRPr lang="en-US" dirty="0"/>
           </a:p>
@@ -14403,7 +14408,7 @@
           <a:p>
             <a:fld id="{48A87A34-81AB-432B-8DAE-1953F412C126}" type="datetimeFigureOut">
               <a:rPr lang="en-US" dirty="0"/>
-              <a:t>9/12/22</a:t>
+              <a:t>9/13/22</a:t>
             </a:fld>
             <a:endParaRPr lang="en-US" dirty="0"/>
           </a:p>
@@ -15796,7 +15801,7 @@
           <a:p>
             <a:fld id="{48A87A34-81AB-432B-8DAE-1953F412C126}" type="datetimeFigureOut">
               <a:rPr lang="en-US" dirty="0"/>
-              <a:t>9/12/22</a:t>
+              <a:t>9/13/22</a:t>
             </a:fld>
             <a:endParaRPr lang="en-US" dirty="0"/>
           </a:p>
@@ -15891,7 +15896,7 @@
           <a:p>
             <a:fld id="{48A87A34-81AB-432B-8DAE-1953F412C126}" type="datetimeFigureOut">
               <a:rPr lang="en-US" dirty="0"/>
-              <a:t>9/12/22</a:t>
+              <a:t>9/13/22</a:t>
             </a:fld>
             <a:endParaRPr lang="en-US" dirty="0"/>
           </a:p>
@@ -17412,7 +17417,7 @@
           <a:p>
             <a:fld id="{48A87A34-81AB-432B-8DAE-1953F412C126}" type="datetimeFigureOut">
               <a:rPr lang="en-US" dirty="0"/>
-              <a:t>9/12/22</a:t>
+              <a:t>9/13/22</a:t>
             </a:fld>
             <a:endParaRPr lang="en-US" dirty="0"/>
           </a:p>
@@ -18943,7 +18948,7 @@
           <a:p>
             <a:fld id="{48A87A34-81AB-432B-8DAE-1953F412C126}" type="datetimeFigureOut">
               <a:rPr lang="en-US" dirty="0"/>
-              <a:t>9/12/22</a:t>
+              <a:t>9/13/22</a:t>
             </a:fld>
             <a:endParaRPr lang="en-US" dirty="0"/>
           </a:p>
@@ -19162,7 +19167,7 @@
             <a:fld id="{48A87A34-81AB-432B-8DAE-1953F412C126}" type="datetimeFigureOut">
               <a:rPr lang="en-US" dirty="0"/>
               <a:pPr/>
-              <a:t>9/12/22</a:t>
+              <a:t>9/13/22</a:t>
             </a:fld>
             <a:endParaRPr lang="en-US" dirty="0"/>
           </a:p>
@@ -28221,7 +28226,7 @@
                   <a:srgbClr val="FF0000"/>
                 </a:solidFill>
               </a:rPr>
-              <a:t>[2147 images]</a:t>
+              <a:t>[1698 images]</a:t>
             </a:r>
           </a:p>
         </p:txBody>
@@ -32528,7 +32533,7 @@
         <p:spPr>
           <a:xfrm>
             <a:off x="7037806" y="2844107"/>
-            <a:ext cx="2576539" cy="369332"/>
+            <a:ext cx="2536464" cy="369332"/>
           </a:xfrm>
           <a:prstGeom prst="rect">
             <a:avLst/>
@@ -32543,7 +32548,7 @@
           <a:p>
             <a:r>
               <a:rPr lang="en-US" dirty="0"/>
-              <a:t>All-data </a:t>
+              <a:t>all-data </a:t>
             </a:r>
             <a:r>
               <a:rPr lang="en-US" dirty="0">
@@ -36523,7 +36528,7 @@
             </a:pPr>
             <a:r>
               <a:rPr lang="en-US" sz="3700" dirty="0"/>
-              <a:t>Remove the 2022 Ips (mainly blanks/wasps)</a:t>
+              <a:t>Remove the 2022 IPs (mainly blanks/wasps)</a:t>
             </a:r>
           </a:p>
         </p:txBody>
@@ -53899,7 +53904,7 @@
                   <a:srgbClr val="FF0000"/>
                 </a:solidFill>
               </a:rPr>
-              <a:t>[2147 images]</a:t>
+              <a:t>[1698 images]</a:t>
             </a:r>
           </a:p>
         </p:txBody>
